--- a/slides/03-generating-and-storing-vectors.pptx
+++ b/slides/03-generating-and-storing-vectors.pptx
@@ -206,7 +206,7 @@
           <a:p>
             <a:fld id="{15DA2908-672F-DC48-8CAD-AEE711B947DA}" type="datetimeFigureOut">
               <a:rPr lang="en-US" smtClean="0"/>
-              <a:t>6/26/25</a:t>
+              <a:t>6/29/25</a:t>
             </a:fld>
             <a:endParaRPr lang="en-US"/>
           </a:p>
@@ -3274,7 +3274,7 @@
           <a:p>
             <a:fld id="{F6CCBF3A-D7FB-4B97-8FD5-6FFB20CB1E84}" type="datetimeFigureOut">
               <a:rPr lang="en-US" smtClean="0"/>
-              <a:t>6/26/25</a:t>
+              <a:t>6/29/25</a:t>
             </a:fld>
             <a:endParaRPr lang="en-US"/>
           </a:p>
@@ -4733,7 +4733,7 @@
           <a:p>
             <a:fld id="{F6CCBF3A-D7FB-4B97-8FD5-6FFB20CB1E84}" type="datetimeFigureOut">
               <a:rPr lang="en-US" smtClean="0"/>
-              <a:t>6/26/25</a:t>
+              <a:t>6/29/25</a:t>
             </a:fld>
             <a:endParaRPr lang="en-US"/>
           </a:p>
@@ -6186,7 +6186,7 @@
           <a:p>
             <a:fld id="{F6CCBF3A-D7FB-4B97-8FD5-6FFB20CB1E84}" type="datetimeFigureOut">
               <a:rPr lang="en-US" smtClean="0"/>
-              <a:t>6/26/25</a:t>
+              <a:t>6/29/25</a:t>
             </a:fld>
             <a:endParaRPr lang="en-US"/>
           </a:p>
@@ -8366,7 +8366,7 @@
           <a:p>
             <a:fld id="{F6CCBF3A-D7FB-4B97-8FD5-6FFB20CB1E84}" type="datetimeFigureOut">
               <a:rPr lang="en-US" smtClean="0"/>
-              <a:t>6/26/25</a:t>
+              <a:t>6/29/25</a:t>
             </a:fld>
             <a:endParaRPr lang="en-US"/>
           </a:p>
@@ -9874,7 +9874,7 @@
           <a:p>
             <a:fld id="{F6CCBF3A-D7FB-4B97-8FD5-6FFB20CB1E84}" type="datetimeFigureOut">
               <a:rPr lang="en-US" smtClean="0"/>
-              <a:t>6/26/25</a:t>
+              <a:t>6/29/25</a:t>
             </a:fld>
             <a:endParaRPr lang="en-US"/>
           </a:p>
@@ -11395,7 +11395,7 @@
           <a:p>
             <a:fld id="{F6CCBF3A-D7FB-4B97-8FD5-6FFB20CB1E84}" type="datetimeFigureOut">
               <a:rPr lang="en-US" smtClean="0"/>
-              <a:t>6/26/25</a:t>
+              <a:t>6/29/25</a:t>
             </a:fld>
             <a:endParaRPr lang="en-US"/>
           </a:p>
@@ -13060,7 +13060,7 @@
           <a:p>
             <a:fld id="{F6CCBF3A-D7FB-4B97-8FD5-6FFB20CB1E84}" type="datetimeFigureOut">
               <a:rPr lang="en-US" smtClean="0"/>
-              <a:t>6/26/25</a:t>
+              <a:t>6/29/25</a:t>
             </a:fld>
             <a:endParaRPr lang="en-US"/>
           </a:p>
@@ -14458,7 +14458,7 @@
           <a:p>
             <a:fld id="{F6CCBF3A-D7FB-4B97-8FD5-6FFB20CB1E84}" type="datetimeFigureOut">
               <a:rPr lang="en-US" smtClean="0"/>
-              <a:t>6/26/25</a:t>
+              <a:t>6/29/25</a:t>
             </a:fld>
             <a:endParaRPr lang="en-US"/>
           </a:p>
@@ -14558,7 +14558,7 @@
           <a:p>
             <a:fld id="{F6CCBF3A-D7FB-4B97-8FD5-6FFB20CB1E84}" type="datetimeFigureOut">
               <a:rPr lang="en-US" smtClean="0"/>
-              <a:t>6/26/25</a:t>
+              <a:t>6/29/25</a:t>
             </a:fld>
             <a:endParaRPr lang="en-US"/>
           </a:p>
@@ -16084,7 +16084,7 @@
           <a:p>
             <a:fld id="{F6CCBF3A-D7FB-4B97-8FD5-6FFB20CB1E84}" type="datetimeFigureOut">
               <a:rPr lang="en-US" smtClean="0"/>
-              <a:t>6/26/25</a:t>
+              <a:t>6/29/25</a:t>
             </a:fld>
             <a:endParaRPr lang="en-US"/>
           </a:p>
@@ -17620,7 +17620,7 @@
           <a:p>
             <a:fld id="{F6CCBF3A-D7FB-4B97-8FD5-6FFB20CB1E84}" type="datetimeFigureOut">
               <a:rPr lang="en-US" smtClean="0"/>
-              <a:t>6/26/25</a:t>
+              <a:t>6/29/25</a:t>
             </a:fld>
             <a:endParaRPr lang="en-US"/>
           </a:p>
@@ -17843,7 +17843,7 @@
           <a:p>
             <a:fld id="{F6CCBF3A-D7FB-4B97-8FD5-6FFB20CB1E84}" type="datetimeFigureOut">
               <a:rPr lang="en-US" smtClean="0"/>
-              <a:t>6/26/25</a:t>
+              <a:t>6/29/25</a:t>
             </a:fld>
             <a:endParaRPr lang="en-US"/>
           </a:p>
@@ -20903,43 +20903,6 @@
               <a:t>7</a:t>
             </a:fld>
             <a:endParaRPr lang="en-US"/>
-          </a:p>
-        </p:txBody>
-      </p:sp>
-      <p:sp>
-        <p:nvSpPr>
-          <p:cNvPr id="4" name="Footer Placeholder 3">
-            <a:extLst>
-              <a:ext uri="{FF2B5EF4-FFF2-40B4-BE49-F238E27FC236}">
-                <a16:creationId xmlns:a16="http://schemas.microsoft.com/office/drawing/2014/main" id="{EA0F422F-8EDC-DD81-D226-130E7D7C10AE}"/>
-              </a:ext>
-            </a:extLst>
-          </p:cNvPr>
-          <p:cNvSpPr>
-            <a:spLocks noGrp="1"/>
-          </p:cNvSpPr>
-          <p:nvPr>
-            <p:ph type="ftr" sz="quarter" idx="11"/>
-          </p:nvPr>
-        </p:nvSpPr>
-        <p:spPr/>
-        <p:txBody>
-          <a:bodyPr/>
-          <a:lstStyle/>
-          <a:p>
-            <a:pPr algn="ctr">
-              <a:lnSpc>
-                <a:spcPct val="90000"/>
-              </a:lnSpc>
-              <a:spcBef>
-                <a:spcPts val="1000"/>
-              </a:spcBef>
-            </a:pPr>
-            <a:r>
-              <a:rPr lang="en-US"/>
-              <a:t>Confidential &amp; Proprietary – Not for Distribution</a:t>
-            </a:r>
-            <a:endParaRPr lang="en-US" dirty="0"/>
           </a:p>
         </p:txBody>
       </p:sp>
